--- a/CarRentalService - Lars Bergqvist.pptx
+++ b/CarRentalService - Lars Bergqvist.pptx
@@ -251,7 +251,7 @@
           <a:p>
             <a:fld id="{EB98DE79-409D-4F9A-BE87-D25DF2FB0359}" type="datetimeFigureOut">
               <a:rPr lang="en-US" smtClean="0"/>
-              <a:t>10/19/2015</a:t>
+              <a:t>10/20/2015</a:t>
             </a:fld>
             <a:endParaRPr lang="en-US"/>
           </a:p>
@@ -421,7 +421,7 @@
           <a:p>
             <a:fld id="{EB98DE79-409D-4F9A-BE87-D25DF2FB0359}" type="datetimeFigureOut">
               <a:rPr lang="en-US" smtClean="0"/>
-              <a:t>10/19/2015</a:t>
+              <a:t>10/20/2015</a:t>
             </a:fld>
             <a:endParaRPr lang="en-US"/>
           </a:p>
@@ -601,7 +601,7 @@
           <a:p>
             <a:fld id="{EB98DE79-409D-4F9A-BE87-D25DF2FB0359}" type="datetimeFigureOut">
               <a:rPr lang="en-US" smtClean="0"/>
-              <a:t>10/19/2015</a:t>
+              <a:t>10/20/2015</a:t>
             </a:fld>
             <a:endParaRPr lang="en-US"/>
           </a:p>
@@ -771,7 +771,7 @@
           <a:p>
             <a:fld id="{EB98DE79-409D-4F9A-BE87-D25DF2FB0359}" type="datetimeFigureOut">
               <a:rPr lang="en-US" smtClean="0"/>
-              <a:t>10/19/2015</a:t>
+              <a:t>10/20/2015</a:t>
             </a:fld>
             <a:endParaRPr lang="en-US"/>
           </a:p>
@@ -1017,7 +1017,7 @@
           <a:p>
             <a:fld id="{EB98DE79-409D-4F9A-BE87-D25DF2FB0359}" type="datetimeFigureOut">
               <a:rPr lang="en-US" smtClean="0"/>
-              <a:t>10/19/2015</a:t>
+              <a:t>10/20/2015</a:t>
             </a:fld>
             <a:endParaRPr lang="en-US"/>
           </a:p>
@@ -1249,7 +1249,7 @@
           <a:p>
             <a:fld id="{EB98DE79-409D-4F9A-BE87-D25DF2FB0359}" type="datetimeFigureOut">
               <a:rPr lang="en-US" smtClean="0"/>
-              <a:t>10/19/2015</a:t>
+              <a:t>10/20/2015</a:t>
             </a:fld>
             <a:endParaRPr lang="en-US"/>
           </a:p>
@@ -1616,7 +1616,7 @@
           <a:p>
             <a:fld id="{EB98DE79-409D-4F9A-BE87-D25DF2FB0359}" type="datetimeFigureOut">
               <a:rPr lang="en-US" smtClean="0"/>
-              <a:t>10/19/2015</a:t>
+              <a:t>10/20/2015</a:t>
             </a:fld>
             <a:endParaRPr lang="en-US"/>
           </a:p>
@@ -1734,7 +1734,7 @@
           <a:p>
             <a:fld id="{EB98DE79-409D-4F9A-BE87-D25DF2FB0359}" type="datetimeFigureOut">
               <a:rPr lang="en-US" smtClean="0"/>
-              <a:t>10/19/2015</a:t>
+              <a:t>10/20/2015</a:t>
             </a:fld>
             <a:endParaRPr lang="en-US"/>
           </a:p>
@@ -1829,7 +1829,7 @@
           <a:p>
             <a:fld id="{EB98DE79-409D-4F9A-BE87-D25DF2FB0359}" type="datetimeFigureOut">
               <a:rPr lang="en-US" smtClean="0"/>
-              <a:t>10/19/2015</a:t>
+              <a:t>10/20/2015</a:t>
             </a:fld>
             <a:endParaRPr lang="en-US"/>
           </a:p>
@@ -2106,7 +2106,7 @@
           <a:p>
             <a:fld id="{EB98DE79-409D-4F9A-BE87-D25DF2FB0359}" type="datetimeFigureOut">
               <a:rPr lang="en-US" smtClean="0"/>
-              <a:t>10/19/2015</a:t>
+              <a:t>10/20/2015</a:t>
             </a:fld>
             <a:endParaRPr lang="en-US"/>
           </a:p>
@@ -2359,7 +2359,7 @@
           <a:p>
             <a:fld id="{EB98DE79-409D-4F9A-BE87-D25DF2FB0359}" type="datetimeFigureOut">
               <a:rPr lang="en-US" smtClean="0"/>
-              <a:t>10/19/2015</a:t>
+              <a:t>10/20/2015</a:t>
             </a:fld>
             <a:endParaRPr lang="en-US"/>
           </a:p>
@@ -2572,7 +2572,7 @@
           <a:p>
             <a:fld id="{EB98DE79-409D-4F9A-BE87-D25DF2FB0359}" type="datetimeFigureOut">
               <a:rPr lang="en-US" smtClean="0"/>
-              <a:t>10/19/2015</a:t>
+              <a:t>10/20/2015</a:t>
             </a:fld>
             <a:endParaRPr lang="en-US"/>
           </a:p>
@@ -3394,27 +3394,31 @@
           <a:p>
             <a:r>
               <a:rPr lang="en-US" dirty="0" err="1" smtClean="0"/>
-              <a:t>En</a:t>
-            </a:r>
-            <a:r>
-              <a:rPr lang="en-US" dirty="0" smtClean="0"/>
-              <a:t> </a:t>
-            </a:r>
-            <a:r>
-              <a:rPr lang="en-US" dirty="0" err="1" smtClean="0"/>
-              <a:t>påbörjad</a:t>
-            </a:r>
-            <a:r>
-              <a:rPr lang="en-US" dirty="0" smtClean="0"/>
-              <a:t> </a:t>
-            </a:r>
-            <a:r>
-              <a:rPr lang="en-US" dirty="0" err="1" smtClean="0"/>
-              <a:t>uthyrningsdag</a:t>
-            </a:r>
-            <a:r>
-              <a:rPr lang="en-US" dirty="0" smtClean="0"/>
-              <a:t> =&gt; </a:t>
+              <a:t>Ett</a:t>
+            </a:r>
+            <a:r>
+              <a:rPr lang="en-US" dirty="0" smtClean="0"/>
+              <a:t> </a:t>
+            </a:r>
+            <a:r>
+              <a:rPr lang="en-US" dirty="0" err="1" smtClean="0"/>
+              <a:t>påbörjat</a:t>
+            </a:r>
+            <a:r>
+              <a:rPr lang="en-US" dirty="0" smtClean="0"/>
+              <a:t> </a:t>
+            </a:r>
+            <a:r>
+              <a:rPr lang="en-US" dirty="0" err="1" smtClean="0"/>
+              <a:t>uthyrningsdygn</a:t>
+            </a:r>
+            <a:r>
+              <a:rPr lang="en-US" dirty="0" smtClean="0"/>
+              <a:t> </a:t>
+            </a:r>
+            <a:r>
+              <a:rPr lang="en-US" dirty="0" smtClean="0"/>
+              <a:t>=&gt; </a:t>
             </a:r>
             <a:r>
               <a:rPr lang="en-US" dirty="0" err="1" smtClean="0"/>
@@ -3529,6 +3533,10 @@
             <a:r>
               <a:rPr lang="en-US" dirty="0" smtClean="0"/>
               <a:t> </a:t>
+            </a:r>
+            <a:r>
+              <a:rPr lang="en-US" dirty="0" smtClean="0"/>
+              <a:t>persistent </a:t>
             </a:r>
             <a:r>
               <a:rPr lang="en-US" dirty="0" err="1" smtClean="0"/>
@@ -4386,6 +4394,22 @@
             </a:r>
             <a:r>
               <a:rPr lang="en-US" dirty="0" err="1" smtClean="0"/>
+              <a:t>av</a:t>
+            </a:r>
+            <a:r>
+              <a:rPr lang="en-US" dirty="0" smtClean="0"/>
+              <a:t> </a:t>
+            </a:r>
+            <a:r>
+              <a:rPr lang="en-US" dirty="0" err="1" smtClean="0"/>
+              <a:t>IVehicleType</a:t>
+            </a:r>
+            <a:r>
+              <a:rPr lang="en-US" dirty="0" smtClean="0"/>
+              <a:t> </a:t>
+            </a:r>
+            <a:r>
+              <a:rPr lang="en-US" dirty="0" err="1" smtClean="0"/>
               <a:t>från</a:t>
             </a:r>
             <a:r>
@@ -5028,7 +5052,7 @@
         </p:nvSpPr>
         <p:spPr>
           <a:xfrm>
-            <a:off x="8928339" y="2290312"/>
+            <a:off x="9675556" y="3073158"/>
             <a:ext cx="2139351" cy="879895"/>
           </a:xfrm>
           <a:prstGeom prst="rect">
@@ -5075,8 +5099,8 @@
         </p:nvCxnSpPr>
         <p:spPr>
           <a:xfrm flipV="1">
-            <a:off x="7864415" y="2730260"/>
-            <a:ext cx="1063924" cy="782848"/>
+            <a:off x="7864415" y="3513106"/>
+            <a:ext cx="1811141" cy="2"/>
           </a:xfrm>
           <a:prstGeom prst="bentConnector3">
             <a:avLst/>
@@ -5102,86 +5126,6 @@
       </p:cxnSp>
       <p:sp>
         <p:nvSpPr>
-          <p:cNvPr id="30" name="Rectangle 29"/>
-          <p:cNvSpPr/>
-          <p:nvPr/>
-        </p:nvSpPr>
-        <p:spPr>
-          <a:xfrm>
-            <a:off x="8928339" y="3769831"/>
-            <a:ext cx="2139351" cy="918713"/>
-          </a:xfrm>
-          <a:prstGeom prst="rect">
-            <a:avLst/>
-          </a:prstGeom>
-        </p:spPr>
-        <p:style>
-          <a:lnRef idx="2">
-            <a:schemeClr val="accent1">
-              <a:shade val="50000"/>
-            </a:schemeClr>
-          </a:lnRef>
-          <a:fillRef idx="1">
-            <a:schemeClr val="accent1"/>
-          </a:fillRef>
-          <a:effectRef idx="0">
-            <a:schemeClr val="accent1"/>
-          </a:effectRef>
-          <a:fontRef idx="minor">
-            <a:schemeClr val="lt1"/>
-          </a:fontRef>
-        </p:style>
-        <p:txBody>
-          <a:bodyPr rtlCol="0" anchor="ctr"/>
-          <a:lstStyle/>
-          <a:p>
-            <a:pPr algn="ctr"/>
-            <a:r>
-              <a:rPr lang="en-US" dirty="0" err="1" smtClean="0"/>
-              <a:t>VehicleTypes</a:t>
-            </a:r>
-            <a:endParaRPr lang="en-US" dirty="0"/>
-          </a:p>
-        </p:txBody>
-      </p:sp>
-      <p:cxnSp>
-        <p:nvCxnSpPr>
-          <p:cNvPr id="32" name="Elbow Connector 31"/>
-          <p:cNvCxnSpPr>
-            <a:stCxn id="5" idx="3"/>
-            <a:endCxn id="30" idx="1"/>
-          </p:cNvCxnSpPr>
-          <p:nvPr/>
-        </p:nvCxnSpPr>
-        <p:spPr>
-          <a:xfrm>
-            <a:off x="7864415" y="3513108"/>
-            <a:ext cx="1063924" cy="716080"/>
-          </a:xfrm>
-          <a:prstGeom prst="bentConnector3">
-            <a:avLst/>
-          </a:prstGeom>
-          <a:ln>
-            <a:tailEnd type="triangle"/>
-          </a:ln>
-        </p:spPr>
-        <p:style>
-          <a:lnRef idx="1">
-            <a:schemeClr val="accent1"/>
-          </a:lnRef>
-          <a:fillRef idx="0">
-            <a:schemeClr val="accent1"/>
-          </a:fillRef>
-          <a:effectRef idx="0">
-            <a:schemeClr val="accent1"/>
-          </a:effectRef>
-          <a:fontRef idx="minor">
-            <a:schemeClr val="tx1"/>
-          </a:fontRef>
-        </p:style>
-      </p:cxnSp>
-      <p:sp>
-        <p:nvSpPr>
           <p:cNvPr id="13" name="TextBox 12"/>
           <p:cNvSpPr txBox="1"/>
           <p:nvPr/>
@@ -5209,6 +5153,36 @@
             <a:r>
               <a:rPr lang="en-US" sz="1400" dirty="0" err="1" smtClean="0"/>
               <a:t>entalReceipt</a:t>
+            </a:r>
+            <a:endParaRPr lang="en-US" sz="1400" dirty="0"/>
+          </a:p>
+        </p:txBody>
+      </p:sp>
+      <p:sp>
+        <p:nvSpPr>
+          <p:cNvPr id="17" name="TextBox 16"/>
+          <p:cNvSpPr txBox="1"/>
+          <p:nvPr/>
+        </p:nvSpPr>
+        <p:spPr>
+          <a:xfrm>
+            <a:off x="7946366" y="3205329"/>
+            <a:ext cx="2536166" cy="307777"/>
+          </a:xfrm>
+          <a:prstGeom prst="rect">
+            <a:avLst/>
+          </a:prstGeom>
+          <a:noFill/>
+        </p:spPr>
+        <p:txBody>
+          <a:bodyPr wrap="square" rtlCol="0">
+            <a:spAutoFit/>
+          </a:bodyPr>
+          <a:lstStyle/>
+          <a:p>
+            <a:r>
+              <a:rPr lang="en-US" sz="1400" dirty="0" err="1" smtClean="0"/>
+              <a:t>AddNewRentalInfo</a:t>
             </a:r>
             <a:endParaRPr lang="en-US" sz="1400" dirty="0"/>
           </a:p>
@@ -5480,13 +5454,55 @@
       </p:sp>
       <p:sp>
         <p:nvSpPr>
-          <p:cNvPr id="10" name="Rectangle 9"/>
+          <p:cNvPr id="15" name="TextBox 14"/>
+          <p:cNvSpPr txBox="1"/>
+          <p:nvPr/>
+        </p:nvSpPr>
+        <p:spPr>
+          <a:xfrm>
+            <a:off x="2968925" y="2852633"/>
+            <a:ext cx="2536166" cy="307777"/>
+          </a:xfrm>
+          <a:prstGeom prst="rect">
+            <a:avLst/>
+          </a:prstGeom>
+          <a:noFill/>
+        </p:spPr>
+        <p:txBody>
+          <a:bodyPr wrap="square" rtlCol="0">
+            <a:spAutoFit/>
+          </a:bodyPr>
+          <a:lstStyle/>
+          <a:p>
+            <a:r>
+              <a:rPr lang="en-US" sz="1400" dirty="0" err="1" smtClean="0"/>
+              <a:t>ReturnVehicle</a:t>
+            </a:r>
+            <a:r>
+              <a:rPr lang="en-US" sz="1400" dirty="0" smtClean="0"/>
+              <a:t>(</a:t>
+            </a:r>
+            <a:r>
+              <a:rPr lang="en-US" sz="1400" dirty="0" err="1" smtClean="0"/>
+              <a:t>returnRequest</a:t>
+            </a:r>
+            <a:r>
+              <a:rPr lang="en-US" sz="1400" dirty="0" smtClean="0"/>
+              <a:t>)</a:t>
+            </a:r>
+            <a:endParaRPr lang="en-US" sz="1400" dirty="0"/>
+          </a:p>
+        </p:txBody>
+      </p:sp>
+      <p:sp>
+        <p:nvSpPr>
+          <p:cNvPr id="17" name="Rectangle 16"/>
           <p:cNvSpPr/>
           <p:nvPr/>
         </p:nvSpPr>
         <p:spPr>
           <a:xfrm>
-            <a:off x="8928339" y="2290312"/>
+            <a:off x="9850554" y="3074549"/>
             <a:ext cx="2139351" cy="879895"/>
           </a:xfrm>
           <a:prstGeom prst="rect">
@@ -5524,16 +5540,16 @@
       </p:sp>
       <p:cxnSp>
         <p:nvCxnSpPr>
-          <p:cNvPr id="11" name="Elbow Connector 10"/>
+          <p:cNvPr id="18" name="Elbow Connector 17"/>
           <p:cNvCxnSpPr>
-            <a:endCxn id="10" idx="1"/>
+            <a:endCxn id="17" idx="1"/>
           </p:cNvCxnSpPr>
           <p:nvPr/>
         </p:nvCxnSpPr>
         <p:spPr>
-          <a:xfrm flipV="1">
-            <a:off x="7864415" y="2730260"/>
-            <a:ext cx="1063924" cy="782848"/>
+          <a:xfrm>
+            <a:off x="7864415" y="3513108"/>
+            <a:ext cx="1986139" cy="1389"/>
           </a:xfrm>
           <a:prstGeom prst="bentConnector3">
             <a:avLst/>
@@ -5559,93 +5575,14 @@
       </p:cxnSp>
       <p:sp>
         <p:nvSpPr>
-          <p:cNvPr id="13" name="Rectangle 12"/>
-          <p:cNvSpPr/>
+          <p:cNvPr id="19" name="TextBox 18"/>
+          <p:cNvSpPr txBox="1"/>
           <p:nvPr/>
         </p:nvSpPr>
         <p:spPr>
           <a:xfrm>
-            <a:off x="8928339" y="3769831"/>
-            <a:ext cx="2139351" cy="918713"/>
-          </a:xfrm>
-          <a:prstGeom prst="rect">
-            <a:avLst/>
-          </a:prstGeom>
-        </p:spPr>
-        <p:style>
-          <a:lnRef idx="2">
-            <a:schemeClr val="accent1">
-              <a:shade val="50000"/>
-            </a:schemeClr>
-          </a:lnRef>
-          <a:fillRef idx="1">
-            <a:schemeClr val="accent1"/>
-          </a:fillRef>
-          <a:effectRef idx="0">
-            <a:schemeClr val="accent1"/>
-          </a:effectRef>
-          <a:fontRef idx="minor">
-            <a:schemeClr val="lt1"/>
-          </a:fontRef>
-        </p:style>
-        <p:txBody>
-          <a:bodyPr rtlCol="0" anchor="ctr"/>
-          <a:lstStyle/>
-          <a:p>
-            <a:pPr algn="ctr"/>
-            <a:r>
-              <a:rPr lang="en-US" dirty="0" err="1" smtClean="0"/>
-              <a:t>VehicleTypes</a:t>
-            </a:r>
-            <a:endParaRPr lang="en-US" dirty="0"/>
-          </a:p>
-        </p:txBody>
-      </p:sp>
-      <p:cxnSp>
-        <p:nvCxnSpPr>
-          <p:cNvPr id="14" name="Elbow Connector 13"/>
-          <p:cNvCxnSpPr>
-            <a:endCxn id="13" idx="1"/>
-          </p:cNvCxnSpPr>
-          <p:nvPr/>
-        </p:nvCxnSpPr>
-        <p:spPr>
-          <a:xfrm>
-            <a:off x="7864415" y="3513108"/>
-            <a:ext cx="1063924" cy="716080"/>
-          </a:xfrm>
-          <a:prstGeom prst="bentConnector3">
-            <a:avLst/>
-          </a:prstGeom>
-          <a:ln>
-            <a:tailEnd type="triangle"/>
-          </a:ln>
-        </p:spPr>
-        <p:style>
-          <a:lnRef idx="1">
-            <a:schemeClr val="accent1"/>
-          </a:lnRef>
-          <a:fillRef idx="0">
-            <a:schemeClr val="accent1"/>
-          </a:fillRef>
-          <a:effectRef idx="0">
-            <a:schemeClr val="accent1"/>
-          </a:effectRef>
-          <a:fontRef idx="minor">
-            <a:schemeClr val="tx1"/>
-          </a:fontRef>
-        </p:style>
-      </p:cxnSp>
-      <p:sp>
-        <p:nvSpPr>
-          <p:cNvPr id="15" name="TextBox 14"/>
-          <p:cNvSpPr txBox="1"/>
-          <p:nvPr/>
-        </p:nvSpPr>
-        <p:spPr>
-          <a:xfrm>
-            <a:off x="2968925" y="2852633"/>
-            <a:ext cx="2536166" cy="307777"/>
+            <a:off x="7886700" y="3221965"/>
+            <a:ext cx="2536166" cy="276999"/>
           </a:xfrm>
           <a:prstGeom prst="rect">
             <a:avLst/>
@@ -5659,22 +5596,10 @@
           <a:lstStyle/>
           <a:p>
             <a:r>
-              <a:rPr lang="en-US" sz="1400" dirty="0" err="1" smtClean="0"/>
-              <a:t>ReturnVehicle</a:t>
-            </a:r>
-            <a:r>
-              <a:rPr lang="en-US" sz="1400" dirty="0" smtClean="0"/>
-              <a:t>(</a:t>
-            </a:r>
-            <a:r>
-              <a:rPr lang="en-US" sz="1400" dirty="0" err="1" smtClean="0"/>
-              <a:t>rentalReturn</a:t>
-            </a:r>
-            <a:r>
-              <a:rPr lang="en-US" sz="1400" dirty="0" smtClean="0"/>
-              <a:t>)</a:t>
-            </a:r>
-            <a:endParaRPr lang="en-US" sz="1400" dirty="0"/>
+              <a:rPr lang="en-US" sz="1200" dirty="0" err="1" smtClean="0"/>
+              <a:t>UpdateRentalAsReturned</a:t>
+            </a:r>
+            <a:endParaRPr lang="en-US" sz="1200" dirty="0"/>
           </a:p>
         </p:txBody>
       </p:sp>
@@ -5982,13 +5907,13 @@
       </p:sp>
       <p:sp>
         <p:nvSpPr>
-          <p:cNvPr id="10" name="Rectangle 9"/>
+          <p:cNvPr id="17" name="Rectangle 16"/>
           <p:cNvSpPr/>
           <p:nvPr/>
         </p:nvSpPr>
         <p:spPr>
           <a:xfrm>
-            <a:off x="8928339" y="2290312"/>
+            <a:off x="9850554" y="3074549"/>
             <a:ext cx="2139351" cy="879895"/>
           </a:xfrm>
           <a:prstGeom prst="rect">
@@ -6026,16 +5951,16 @@
       </p:sp>
       <p:cxnSp>
         <p:nvCxnSpPr>
-          <p:cNvPr id="11" name="Elbow Connector 10"/>
+          <p:cNvPr id="18" name="Elbow Connector 17"/>
           <p:cNvCxnSpPr>
-            <a:endCxn id="10" idx="1"/>
+            <a:endCxn id="17" idx="1"/>
           </p:cNvCxnSpPr>
           <p:nvPr/>
         </p:nvCxnSpPr>
         <p:spPr>
-          <a:xfrm flipV="1">
-            <a:off x="7864415" y="2730260"/>
-            <a:ext cx="1063924" cy="782848"/>
+          <a:xfrm>
+            <a:off x="7864415" y="3513108"/>
+            <a:ext cx="1986139" cy="1389"/>
           </a:xfrm>
           <a:prstGeom prst="bentConnector3">
             <a:avLst/>
@@ -6061,14 +5986,44 @@
       </p:cxnSp>
       <p:sp>
         <p:nvSpPr>
-          <p:cNvPr id="13" name="Rectangle 12"/>
+          <p:cNvPr id="19" name="TextBox 18"/>
+          <p:cNvSpPr txBox="1"/>
+          <p:nvPr/>
+        </p:nvSpPr>
+        <p:spPr>
+          <a:xfrm>
+            <a:off x="8183684" y="3236108"/>
+            <a:ext cx="1468316" cy="276999"/>
+          </a:xfrm>
+          <a:prstGeom prst="rect">
+            <a:avLst/>
+          </a:prstGeom>
+          <a:noFill/>
+        </p:spPr>
+        <p:txBody>
+          <a:bodyPr wrap="square" rtlCol="0">
+            <a:spAutoFit/>
+          </a:bodyPr>
+          <a:lstStyle/>
+          <a:p>
+            <a:r>
+              <a:rPr lang="en-US" sz="1200" dirty="0" err="1" smtClean="0"/>
+              <a:t>GetRentalInfo</a:t>
+            </a:r>
+            <a:endParaRPr lang="en-US" sz="1200" dirty="0"/>
+          </a:p>
+        </p:txBody>
+      </p:sp>
+      <p:sp>
+        <p:nvSpPr>
+          <p:cNvPr id="20" name="Rectangle 19"/>
           <p:cNvSpPr/>
           <p:nvPr/>
         </p:nvSpPr>
         <p:spPr>
           <a:xfrm>
-            <a:off x="8928339" y="3769831"/>
-            <a:ext cx="2139351" cy="918713"/>
+            <a:off x="6923693" y="5292149"/>
+            <a:ext cx="2139351" cy="879895"/>
           </a:xfrm>
           <a:prstGeom prst="rect">
             <a:avLst/>
@@ -6105,19 +6060,21 @@
       </p:sp>
       <p:cxnSp>
         <p:nvCxnSpPr>
-          <p:cNvPr id="14" name="Elbow Connector 13"/>
+          <p:cNvPr id="22" name="Elbow Connector 21"/>
           <p:cNvCxnSpPr>
-            <a:endCxn id="13" idx="1"/>
+            <a:endCxn id="20" idx="0"/>
           </p:cNvCxnSpPr>
           <p:nvPr/>
         </p:nvCxnSpPr>
         <p:spPr>
-          <a:xfrm>
-            <a:off x="7864415" y="3513108"/>
-            <a:ext cx="1063924" cy="716080"/>
+          <a:xfrm rot="16200000" flipH="1">
+            <a:off x="6885174" y="4183954"/>
+            <a:ext cx="996194" cy="1220195"/>
           </a:xfrm>
           <a:prstGeom prst="bentConnector3">
-            <a:avLst/>
+            <a:avLst>
+              <a:gd name="adj1" fmla="val 50000"/>
+            </a:avLst>
           </a:prstGeom>
           <a:ln>
             <a:tailEnd type="triangle"/>
@@ -6138,6 +6095,40 @@
           </a:fontRef>
         </p:style>
       </p:cxnSp>
+      <p:sp>
+        <p:nvSpPr>
+          <p:cNvPr id="23" name="TextBox 22"/>
+          <p:cNvSpPr txBox="1"/>
+          <p:nvPr/>
+        </p:nvSpPr>
+        <p:spPr>
+          <a:xfrm>
+            <a:off x="7015285" y="4493586"/>
+            <a:ext cx="2536166" cy="276999"/>
+          </a:xfrm>
+          <a:prstGeom prst="rect">
+            <a:avLst/>
+          </a:prstGeom>
+          <a:noFill/>
+        </p:spPr>
+        <p:txBody>
+          <a:bodyPr wrap="square" rtlCol="0">
+            <a:spAutoFit/>
+          </a:bodyPr>
+          <a:lstStyle/>
+          <a:p>
+            <a:r>
+              <a:rPr lang="en-US" sz="1200" dirty="0" err="1" smtClean="0"/>
+              <a:t>GetVehicleType</a:t>
+            </a:r>
+            <a:r>
+              <a:rPr lang="en-US" sz="1200" dirty="0" smtClean="0"/>
+              <a:t> object</a:t>
+            </a:r>
+            <a:endParaRPr lang="en-US" sz="1200" dirty="0"/>
+          </a:p>
+        </p:txBody>
+      </p:sp>
     </p:spTree>
     <p:extLst>
       <p:ext uri="{BB962C8B-B14F-4D97-AF65-F5344CB8AC3E}">
